--- a/codebots.pptx
+++ b/codebots.pptx
@@ -5849,98 +5849,151 @@
             <p:ph idx="1"/>
           </p:nvPr>
         </p:nvSpPr>
-        <p:spPr/>
+        <p:spPr>
+          <a:xfrm>
+            <a:off x="381000" y="1371600"/>
+            <a:ext cx="8458200" cy="5257800"/>
+          </a:xfrm>
+        </p:spPr>
         <p:txBody>
           <a:bodyPr>
-            <a:normAutofit fontScale="47500" lnSpcReduction="20000"/>
+            <a:noAutofit/>
           </a:bodyPr>
           <a:lstStyle/>
           <a:p>
             <a:r>
-              <a:rPr lang="en-US" dirty="0" smtClean="0"/>
+              <a:rPr lang="en-US" sz="1050" dirty="0" smtClean="0"/>
               <a:t>Manual to use </a:t>
             </a:r>
             <a:r>
-              <a:rPr lang="en-US" dirty="0" err="1" smtClean="0"/>
+              <a:rPr lang="en-US" sz="1050" dirty="0" err="1" smtClean="0"/>
               <a:t>CodeBot</a:t>
             </a:r>
-            <a:endParaRPr lang="en-US" dirty="0" smtClean="0"/>
-          </a:p>
-          <a:p>
-            <a:endParaRPr lang="en-US" dirty="0" smtClean="0"/>
-          </a:p>
-          <a:p>
-            <a:r>
-              <a:rPr lang="en-US" dirty="0" smtClean="0"/>
+            <a:endParaRPr lang="en-US" sz="1050" dirty="0" smtClean="0"/>
+          </a:p>
+          <a:p>
+            <a:endParaRPr lang="en-US" sz="1050" dirty="0" smtClean="0"/>
+          </a:p>
+          <a:p>
+            <a:r>
+              <a:rPr lang="en-US" sz="1050" dirty="0" smtClean="0"/>
               <a:t>Please open below link</a:t>
             </a:r>
           </a:p>
           <a:p>
-            <a:endParaRPr lang="en-US" dirty="0" smtClean="0"/>
-          </a:p>
-          <a:p>
-            <a:r>
-              <a:rPr lang="en-US" dirty="0" smtClean="0">
+            <a:endParaRPr lang="en-US" sz="1050" dirty="0" smtClean="0"/>
+          </a:p>
+          <a:p>
+            <a:r>
+              <a:rPr lang="en-US" sz="1050" dirty="0" smtClean="0">
                 <a:hlinkClick r:id="rId2"/>
               </a:rPr>
               <a:t>https://web-chat.global.assistant.watson.cloud.ibm.com/preview.html?region=eu-gb&amp;integrationID=3f27b35a-6218-4886-8c97-022ecce13d9c&amp;serviceInstanceID=54d74100-f664-4ebb-8b06-bb7705aca4d2</a:t>
             </a:r>
-            <a:endParaRPr lang="en-US" dirty="0"/>
-          </a:p>
-          <a:p>
-            <a:r>
-              <a:rPr lang="en-US" dirty="0" smtClean="0"/>
+            <a:endParaRPr lang="en-US" sz="1050" dirty="0"/>
+          </a:p>
+          <a:p>
+            <a:r>
+              <a:rPr lang="en-US" sz="1050" dirty="0" smtClean="0"/>
               <a:t>Deployment IBM Cloud</a:t>
             </a:r>
           </a:p>
           <a:p>
-            <a:endParaRPr lang="en-US" dirty="0" smtClean="0"/>
-          </a:p>
-          <a:p>
-            <a:endParaRPr lang="en-US" dirty="0" smtClean="0"/>
-          </a:p>
-          <a:p>
-            <a:r>
-              <a:rPr lang="en-US" dirty="0" smtClean="0"/>
+            <a:endParaRPr lang="en-US" sz="1050" dirty="0" smtClean="0"/>
+          </a:p>
+          <a:p>
+            <a:endParaRPr lang="en-US" sz="1050" dirty="0" smtClean="0"/>
+          </a:p>
+          <a:p>
+            <a:r>
+              <a:rPr lang="en-US" sz="1050" dirty="0" smtClean="0"/>
               <a:t>This Model will classify Service request portfolio based on the context  and identify the ticket  belongs to which team </a:t>
             </a:r>
             <a:r>
-              <a:rPr lang="en-US" dirty="0" smtClean="0"/>
+              <a:rPr lang="en-US" sz="1050" dirty="0" smtClean="0"/>
               <a:t>and direct user to contact them directly</a:t>
             </a:r>
-            <a:endParaRPr lang="en-US" dirty="0" smtClean="0"/>
-          </a:p>
-          <a:p>
-            <a:endParaRPr lang="en-US" dirty="0" smtClean="0"/>
-          </a:p>
-          <a:p>
-            <a:r>
-              <a:rPr lang="en-US" dirty="0" smtClean="0"/>
+            <a:endParaRPr lang="en-US" sz="1050" dirty="0" smtClean="0"/>
+          </a:p>
+          <a:p>
+            <a:endParaRPr lang="en-US" sz="1050" dirty="0" smtClean="0"/>
+          </a:p>
+          <a:p>
+            <a:r>
+              <a:rPr lang="en-US" sz="1050" dirty="0" smtClean="0"/>
               <a:t>Payroll Team</a:t>
             </a:r>
           </a:p>
           <a:p>
             <a:r>
-              <a:rPr lang="en-US" dirty="0" smtClean="0"/>
+              <a:rPr lang="en-US" sz="1050" dirty="0" smtClean="0"/>
               <a:t>Help Desk Team</a:t>
             </a:r>
           </a:p>
           <a:p>
             <a:r>
-              <a:rPr lang="en-US" dirty="0" smtClean="0"/>
+              <a:rPr lang="en-US" sz="1050" dirty="0" smtClean="0"/>
               <a:t>Product Development Team</a:t>
             </a:r>
           </a:p>
           <a:p>
             <a:r>
-              <a:rPr lang="en-US" dirty="0" smtClean="0"/>
+              <a:rPr lang="en-US" sz="1050" dirty="0" smtClean="0"/>
               <a:t>Operation Team </a:t>
             </a:r>
           </a:p>
           <a:p>
             <a:r>
-              <a:rPr lang="en-US" dirty="0" smtClean="0"/>
+              <a:rPr lang="en-US" sz="1050" dirty="0" smtClean="0"/>
               <a:t>Infra Team </a:t>
+            </a:r>
+          </a:p>
+          <a:p>
+            <a:endParaRPr lang="en-US" sz="1050" dirty="0"/>
+          </a:p>
+          <a:p>
+            <a:pPr marL="0" indent="0">
+              <a:buNone/>
+            </a:pPr>
+            <a:r>
+              <a:rPr lang="en-US" sz="1050" dirty="0" smtClean="0"/>
+              <a:t>Example Question That we can ask </a:t>
+            </a:r>
+          </a:p>
+          <a:p>
+            <a:endParaRPr lang="en-US" sz="1050" dirty="0" smtClean="0"/>
+          </a:p>
+          <a:p>
+            <a:r>
+              <a:rPr lang="en-US" sz="1050" dirty="0" smtClean="0"/>
+              <a:t>Water is leaking on my floor who can help </a:t>
+            </a:r>
+          </a:p>
+          <a:p>
+            <a:endParaRPr lang="en-US" sz="1050" dirty="0" smtClean="0"/>
+          </a:p>
+          <a:p>
+            <a:r>
+              <a:rPr lang="en-US" sz="1050" dirty="0" smtClean="0"/>
+              <a:t>Printer is not working whom to contact </a:t>
+            </a:r>
+          </a:p>
+          <a:p>
+            <a:endParaRPr lang="en-US" sz="1050" dirty="0" smtClean="0"/>
+          </a:p>
+          <a:p>
+            <a:r>
+              <a:rPr lang="en-US" sz="1050" dirty="0" smtClean="0"/>
+              <a:t>I am not able to login whom i need to contact </a:t>
+            </a:r>
+          </a:p>
+          <a:p>
+            <a:endParaRPr lang="en-US" sz="1050" dirty="0" smtClean="0"/>
+          </a:p>
+          <a:p>
+            <a:r>
+              <a:rPr lang="en-US" sz="1050" dirty="0" smtClean="0"/>
+              <a:t>Can you help me with form c download or payrolls</a:t>
             </a:r>
           </a:p>
         </p:txBody>
